--- a/figures/R_figs/S2.pptx
+++ b/figures/R_figs/S2.pptx
@@ -104,6 +104,11 @@
       </a:defRPr>
     </a:lvl9pPr>
   </p:defaultTextStyle>
+  <p:extLst>
+    <p:ext uri="{EFAFB233-063F-42B5-8137-9DF3F51BA10A}">
+      <p15:sldGuideLst xmlns:p15="http://schemas.microsoft.com/office/powerpoint/2012/main"/>
+    </p:ext>
+  </p:extLst>
 </p:presentation>
 </file>
 
@@ -238,7 +243,7 @@
           <a:p>
             <a:fld id="{C80D9862-1ABB-D643-BE2E-AEFAF1E449CE}" type="datetimeFigureOut">
               <a:rPr lang="en-US" smtClean="0"/>
-              <a:t>8/22/23</a:t>
+              <a:t>11/9/23</a:t>
             </a:fld>
             <a:endParaRPr lang="en-US"/>
           </a:p>
@@ -408,7 +413,7 @@
           <a:p>
             <a:fld id="{C80D9862-1ABB-D643-BE2E-AEFAF1E449CE}" type="datetimeFigureOut">
               <a:rPr lang="en-US" smtClean="0"/>
-              <a:t>8/22/23</a:t>
+              <a:t>11/9/23</a:t>
             </a:fld>
             <a:endParaRPr lang="en-US"/>
           </a:p>
@@ -588,7 +593,7 @@
           <a:p>
             <a:fld id="{C80D9862-1ABB-D643-BE2E-AEFAF1E449CE}" type="datetimeFigureOut">
               <a:rPr lang="en-US" smtClean="0"/>
-              <a:t>8/22/23</a:t>
+              <a:t>11/9/23</a:t>
             </a:fld>
             <a:endParaRPr lang="en-US"/>
           </a:p>
@@ -758,7 +763,7 @@
           <a:p>
             <a:fld id="{C80D9862-1ABB-D643-BE2E-AEFAF1E449CE}" type="datetimeFigureOut">
               <a:rPr lang="en-US" smtClean="0"/>
-              <a:t>8/22/23</a:t>
+              <a:t>11/9/23</a:t>
             </a:fld>
             <a:endParaRPr lang="en-US"/>
           </a:p>
@@ -1002,7 +1007,7 @@
           <a:p>
             <a:fld id="{C80D9862-1ABB-D643-BE2E-AEFAF1E449CE}" type="datetimeFigureOut">
               <a:rPr lang="en-US" smtClean="0"/>
-              <a:t>8/22/23</a:t>
+              <a:t>11/9/23</a:t>
             </a:fld>
             <a:endParaRPr lang="en-US"/>
           </a:p>
@@ -1234,7 +1239,7 @@
           <a:p>
             <a:fld id="{C80D9862-1ABB-D643-BE2E-AEFAF1E449CE}" type="datetimeFigureOut">
               <a:rPr lang="en-US" smtClean="0"/>
-              <a:t>8/22/23</a:t>
+              <a:t>11/9/23</a:t>
             </a:fld>
             <a:endParaRPr lang="en-US"/>
           </a:p>
@@ -1601,7 +1606,7 @@
           <a:p>
             <a:fld id="{C80D9862-1ABB-D643-BE2E-AEFAF1E449CE}" type="datetimeFigureOut">
               <a:rPr lang="en-US" smtClean="0"/>
-              <a:t>8/22/23</a:t>
+              <a:t>11/9/23</a:t>
             </a:fld>
             <a:endParaRPr lang="en-US"/>
           </a:p>
@@ -1719,7 +1724,7 @@
           <a:p>
             <a:fld id="{C80D9862-1ABB-D643-BE2E-AEFAF1E449CE}" type="datetimeFigureOut">
               <a:rPr lang="en-US" smtClean="0"/>
-              <a:t>8/22/23</a:t>
+              <a:t>11/9/23</a:t>
             </a:fld>
             <a:endParaRPr lang="en-US"/>
           </a:p>
@@ -1814,7 +1819,7 @@
           <a:p>
             <a:fld id="{C80D9862-1ABB-D643-BE2E-AEFAF1E449CE}" type="datetimeFigureOut">
               <a:rPr lang="en-US" smtClean="0"/>
-              <a:t>8/22/23</a:t>
+              <a:t>11/9/23</a:t>
             </a:fld>
             <a:endParaRPr lang="en-US"/>
           </a:p>
@@ -2091,7 +2096,7 @@
           <a:p>
             <a:fld id="{C80D9862-1ABB-D643-BE2E-AEFAF1E449CE}" type="datetimeFigureOut">
               <a:rPr lang="en-US" smtClean="0"/>
-              <a:t>8/22/23</a:t>
+              <a:t>11/9/23</a:t>
             </a:fld>
             <a:endParaRPr lang="en-US"/>
           </a:p>
@@ -2348,7 +2353,7 @@
           <a:p>
             <a:fld id="{C80D9862-1ABB-D643-BE2E-AEFAF1E449CE}" type="datetimeFigureOut">
               <a:rPr lang="en-US" smtClean="0"/>
-              <a:t>8/22/23</a:t>
+              <a:t>11/9/23</a:t>
             </a:fld>
             <a:endParaRPr lang="en-US"/>
           </a:p>
@@ -2561,7 +2566,7 @@
           <a:p>
             <a:fld id="{C80D9862-1ABB-D643-BE2E-AEFAF1E449CE}" type="datetimeFigureOut">
               <a:rPr lang="en-US" smtClean="0"/>
-              <a:t>8/22/23</a:t>
+              <a:t>11/9/23</a:t>
             </a:fld>
             <a:endParaRPr lang="en-US"/>
           </a:p>
@@ -3012,14 +3017,13 @@
         </p:nvPicPr>
         <p:blipFill>
           <a:blip r:embed="rId3"/>
-          <a:stretch>
-            <a:fillRect/>
-          </a:stretch>
+          <a:srcRect/>
+          <a:stretch/>
         </p:blipFill>
         <p:spPr>
           <a:xfrm>
-            <a:off x="265756" y="72191"/>
-            <a:ext cx="4074026" cy="3932237"/>
+            <a:off x="336650" y="72191"/>
+            <a:ext cx="3932237" cy="3932237"/>
           </a:xfrm>
           <a:prstGeom prst="rect">
             <a:avLst/>
@@ -3042,14 +3046,13 @@
         </p:nvPicPr>
         <p:blipFill>
           <a:blip r:embed="rId4"/>
-          <a:stretch>
-            <a:fillRect/>
-          </a:stretch>
+          <a:srcRect/>
+          <a:stretch/>
         </p:blipFill>
         <p:spPr>
           <a:xfrm>
-            <a:off x="4339782" y="195943"/>
-            <a:ext cx="6576352" cy="3808485"/>
+            <a:off x="4339782" y="72190"/>
+            <a:ext cx="6576352" cy="3932237"/>
           </a:xfrm>
           <a:prstGeom prst="rect">
             <a:avLst/>
@@ -3166,6 +3169,211 @@
                 <a:cs typeface="Arial" panose="020B0604020202020204" pitchFamily="34" charset="0"/>
               </a:rPr>
               <a:t>C</a:t>
+            </a:r>
+          </a:p>
+        </p:txBody>
+      </p:sp>
+      <p:sp>
+        <p:nvSpPr>
+          <p:cNvPr id="2" name="TextBox 1">
+            <a:extLst>
+              <a:ext uri="{FF2B5EF4-FFF2-40B4-BE49-F238E27FC236}">
+                <a16:creationId xmlns:a16="http://schemas.microsoft.com/office/drawing/2014/main" id="{642A5C9C-010B-E84E-8B5A-E7CAC9D82A13}"/>
+              </a:ext>
+            </a:extLst>
+          </p:cNvPr>
+          <p:cNvSpPr txBox="1"/>
+          <p:nvPr/>
+        </p:nvSpPr>
+        <p:spPr>
+          <a:xfrm>
+            <a:off x="5177280" y="78922"/>
+            <a:ext cx="925253" cy="246221"/>
+          </a:xfrm>
+          <a:prstGeom prst="rect">
+            <a:avLst/>
+          </a:prstGeom>
+          <a:solidFill>
+            <a:schemeClr val="bg1"/>
+          </a:solidFill>
+        </p:spPr>
+        <p:txBody>
+          <a:bodyPr wrap="none" rtlCol="0">
+            <a:spAutoFit/>
+          </a:bodyPr>
+          <a:lstStyle/>
+          <a:p>
+            <a:pPr algn="ctr"/>
+            <a:r>
+              <a:rPr lang="en-US" sz="1000" dirty="0">
+                <a:latin typeface="Times New Roman" panose="02020603050405020304" pitchFamily="18" charset="0"/>
+                <a:cs typeface="Times New Roman" panose="02020603050405020304" pitchFamily="18" charset="0"/>
+              </a:rPr>
+              <a:t>Wet rainforest</a:t>
+            </a:r>
+          </a:p>
+        </p:txBody>
+      </p:sp>
+      <p:sp>
+        <p:nvSpPr>
+          <p:cNvPr id="3" name="TextBox 2">
+            <a:extLst>
+              <a:ext uri="{FF2B5EF4-FFF2-40B4-BE49-F238E27FC236}">
+                <a16:creationId xmlns:a16="http://schemas.microsoft.com/office/drawing/2014/main" id="{2B5D80C9-EA1D-E2C7-B08B-9B7746804010}"/>
+              </a:ext>
+            </a:extLst>
+          </p:cNvPr>
+          <p:cNvSpPr txBox="1"/>
+          <p:nvPr/>
+        </p:nvSpPr>
+        <p:spPr>
+          <a:xfrm>
+            <a:off x="5223766" y="2005580"/>
+            <a:ext cx="832279" cy="246221"/>
+          </a:xfrm>
+          <a:prstGeom prst="rect">
+            <a:avLst/>
+          </a:prstGeom>
+          <a:solidFill>
+            <a:schemeClr val="bg1"/>
+          </a:solidFill>
+        </p:spPr>
+        <p:txBody>
+          <a:bodyPr wrap="none" rtlCol="0">
+            <a:spAutoFit/>
+          </a:bodyPr>
+          <a:lstStyle/>
+          <a:p>
+            <a:pPr algn="ctr"/>
+            <a:r>
+              <a:rPr lang="en-US" sz="1000" dirty="0">
+                <a:latin typeface="Times New Roman" panose="02020603050405020304" pitchFamily="18" charset="0"/>
+                <a:cs typeface="Times New Roman" panose="02020603050405020304" pitchFamily="18" charset="0"/>
+              </a:rPr>
+              <a:t>Dry savanna</a:t>
+            </a:r>
+          </a:p>
+        </p:txBody>
+      </p:sp>
+      <p:sp>
+        <p:nvSpPr>
+          <p:cNvPr id="4" name="TextBox 3">
+            <a:extLst>
+              <a:ext uri="{FF2B5EF4-FFF2-40B4-BE49-F238E27FC236}">
+                <a16:creationId xmlns:a16="http://schemas.microsoft.com/office/drawing/2014/main" id="{0CD15050-D622-6EFD-04CD-58697B6FA10D}"/>
+              </a:ext>
+            </a:extLst>
+          </p:cNvPr>
+          <p:cNvSpPr txBox="1"/>
+          <p:nvPr/>
+        </p:nvSpPr>
+        <p:spPr>
+          <a:xfrm>
+            <a:off x="7380634" y="2005580"/>
+            <a:ext cx="846707" cy="246221"/>
+          </a:xfrm>
+          <a:prstGeom prst="rect">
+            <a:avLst/>
+          </a:prstGeom>
+          <a:solidFill>
+            <a:schemeClr val="bg1"/>
+          </a:solidFill>
+        </p:spPr>
+        <p:txBody>
+          <a:bodyPr wrap="none" rtlCol="0">
+            <a:spAutoFit/>
+          </a:bodyPr>
+          <a:lstStyle/>
+          <a:p>
+            <a:pPr algn="ctr"/>
+            <a:r>
+              <a:rPr lang="en-US" sz="1000" dirty="0">
+                <a:latin typeface="Times New Roman" panose="02020603050405020304" pitchFamily="18" charset="0"/>
+                <a:cs typeface="Times New Roman" panose="02020603050405020304" pitchFamily="18" charset="0"/>
+              </a:rPr>
+              <a:t>Wet savanna</a:t>
+            </a:r>
+          </a:p>
+        </p:txBody>
+      </p:sp>
+      <p:sp>
+        <p:nvSpPr>
+          <p:cNvPr id="6" name="TextBox 5">
+            <a:extLst>
+              <a:ext uri="{FF2B5EF4-FFF2-40B4-BE49-F238E27FC236}">
+                <a16:creationId xmlns:a16="http://schemas.microsoft.com/office/drawing/2014/main" id="{5BE65217-F135-C936-D05C-AF5A5156B9C8}"/>
+              </a:ext>
+            </a:extLst>
+          </p:cNvPr>
+          <p:cNvSpPr txBox="1"/>
+          <p:nvPr/>
+        </p:nvSpPr>
+        <p:spPr>
+          <a:xfrm>
+            <a:off x="7417540" y="78922"/>
+            <a:ext cx="776175" cy="246221"/>
+          </a:xfrm>
+          <a:prstGeom prst="rect">
+            <a:avLst/>
+          </a:prstGeom>
+          <a:solidFill>
+            <a:schemeClr val="bg1"/>
+          </a:solidFill>
+        </p:spPr>
+        <p:txBody>
+          <a:bodyPr wrap="none" rtlCol="0">
+            <a:spAutoFit/>
+          </a:bodyPr>
+          <a:lstStyle/>
+          <a:p>
+            <a:pPr algn="ctr"/>
+            <a:r>
+              <a:rPr lang="en-US" sz="1000" dirty="0">
+                <a:latin typeface="Times New Roman" panose="02020603050405020304" pitchFamily="18" charset="0"/>
+                <a:cs typeface="Times New Roman" panose="02020603050405020304" pitchFamily="18" charset="0"/>
+              </a:rPr>
+              <a:t>Sclerophyll</a:t>
+            </a:r>
+          </a:p>
+        </p:txBody>
+      </p:sp>
+      <p:sp>
+        <p:nvSpPr>
+          <p:cNvPr id="8" name="TextBox 7">
+            <a:extLst>
+              <a:ext uri="{FF2B5EF4-FFF2-40B4-BE49-F238E27FC236}">
+                <a16:creationId xmlns:a16="http://schemas.microsoft.com/office/drawing/2014/main" id="{5EE64257-781E-1EC0-57CC-C91F4DEAA827}"/>
+              </a:ext>
+            </a:extLst>
+          </p:cNvPr>
+          <p:cNvSpPr txBox="1"/>
+          <p:nvPr/>
+        </p:nvSpPr>
+        <p:spPr>
+          <a:xfrm>
+            <a:off x="9508722" y="78922"/>
+            <a:ext cx="910827" cy="246221"/>
+          </a:xfrm>
+          <a:prstGeom prst="rect">
+            <a:avLst/>
+          </a:prstGeom>
+          <a:solidFill>
+            <a:schemeClr val="bg1"/>
+          </a:solidFill>
+        </p:spPr>
+        <p:txBody>
+          <a:bodyPr wrap="none" rtlCol="0">
+            <a:spAutoFit/>
+          </a:bodyPr>
+          <a:lstStyle/>
+          <a:p>
+            <a:pPr algn="ctr"/>
+            <a:r>
+              <a:rPr lang="en-US" sz="1000" dirty="0">
+                <a:latin typeface="Times New Roman" panose="02020603050405020304" pitchFamily="18" charset="0"/>
+                <a:cs typeface="Times New Roman" panose="02020603050405020304" pitchFamily="18" charset="0"/>
+              </a:rPr>
+              <a:t>Dry rainforest</a:t>
             </a:r>
           </a:p>
         </p:txBody>
